--- a/Microprocessor system.pptx
+++ b/Microprocessor system.pptx
@@ -3618,7 +3618,7 @@
           <a:p>
             <a:pPr algn="ctr"/>
             <a:r>
-              <a:rPr lang="en-US" sz="5100" kern="1200" dirty="0" err="1">
+              <a:rPr lang="en-US" sz="5100" kern="1200">
                 <a:solidFill>
                   <a:srgbClr val="FFFFFF"/>
                 </a:solidFill>
@@ -3626,7 +3626,7 @@
                 <a:ea typeface="+mj-ea"/>
                 <a:cs typeface="+mj-cs"/>
               </a:rPr>
-              <a:t>Fingeprint</a:t>
+              <a:t>Fingerprint </a:t>
             </a:r>
             <a:r>
               <a:rPr lang="en-US" sz="5100" kern="1200" dirty="0">
@@ -3637,7 +3637,7 @@
                 <a:ea typeface="+mj-ea"/>
                 <a:cs typeface="+mj-cs"/>
               </a:rPr>
-              <a:t> integration with raspberry pi</a:t>
+              <a:t>integration with raspberry pi</a:t>
             </a:r>
           </a:p>
         </p:txBody>
